--- a/trunk/submission/MapsterSlides.pptx
+++ b/trunk/submission/MapsterSlides.pptx
@@ -289,6 +289,7 @@
           <a:p>
             <a:fld id="{16EA98B6-61B2-41DC-8E89-58EBC6FD50EC}" type="datetimeFigureOut">
               <a:rPr lang="en-US" smtClean="0"/>
+              <a:pPr/>
               <a:t>11/22/2011</a:t>
             </a:fld>
             <a:endParaRPr lang="en-US"/>
@@ -331,6 +332,7 @@
           <a:p>
             <a:fld id="{16A6C134-D04F-4C5E-925D-C5A43103DAD2}" type="slidenum">
               <a:rPr lang="en-US" smtClean="0"/>
+              <a:pPr/>
               <a:t>‹#›</a:t>
             </a:fld>
             <a:endParaRPr lang="en-US"/>
@@ -454,6 +456,7 @@
           <a:p>
             <a:fld id="{16EA98B6-61B2-41DC-8E89-58EBC6FD50EC}" type="datetimeFigureOut">
               <a:rPr lang="en-US" smtClean="0"/>
+              <a:pPr/>
               <a:t>11/22/2011</a:t>
             </a:fld>
             <a:endParaRPr lang="en-US"/>
@@ -496,6 +499,7 @@
           <a:p>
             <a:fld id="{16A6C134-D04F-4C5E-925D-C5A43103DAD2}" type="slidenum">
               <a:rPr lang="en-US" smtClean="0"/>
+              <a:pPr/>
               <a:t>‹#›</a:t>
             </a:fld>
             <a:endParaRPr lang="en-US"/>
@@ -629,6 +633,7 @@
           <a:p>
             <a:fld id="{16EA98B6-61B2-41DC-8E89-58EBC6FD50EC}" type="datetimeFigureOut">
               <a:rPr lang="en-US" smtClean="0"/>
+              <a:pPr/>
               <a:t>11/22/2011</a:t>
             </a:fld>
             <a:endParaRPr lang="en-US"/>
@@ -671,6 +676,7 @@
           <a:p>
             <a:fld id="{16A6C134-D04F-4C5E-925D-C5A43103DAD2}" type="slidenum">
               <a:rPr lang="en-US" smtClean="0"/>
+              <a:pPr/>
               <a:t>‹#›</a:t>
             </a:fld>
             <a:endParaRPr lang="en-US"/>
@@ -794,6 +800,7 @@
           <a:p>
             <a:fld id="{16EA98B6-61B2-41DC-8E89-58EBC6FD50EC}" type="datetimeFigureOut">
               <a:rPr lang="en-US" smtClean="0"/>
+              <a:pPr/>
               <a:t>11/22/2011</a:t>
             </a:fld>
             <a:endParaRPr lang="en-US"/>
@@ -836,6 +843,7 @@
           <a:p>
             <a:fld id="{16A6C134-D04F-4C5E-925D-C5A43103DAD2}" type="slidenum">
               <a:rPr lang="en-US" smtClean="0"/>
+              <a:pPr/>
               <a:t>‹#›</a:t>
             </a:fld>
             <a:endParaRPr lang="en-US"/>
@@ -1035,6 +1043,7 @@
           <a:p>
             <a:fld id="{16EA98B6-61B2-41DC-8E89-58EBC6FD50EC}" type="datetimeFigureOut">
               <a:rPr lang="en-US" smtClean="0"/>
+              <a:pPr/>
               <a:t>11/22/2011</a:t>
             </a:fld>
             <a:endParaRPr lang="en-US"/>
@@ -1077,6 +1086,7 @@
           <a:p>
             <a:fld id="{16A6C134-D04F-4C5E-925D-C5A43103DAD2}" type="slidenum">
               <a:rPr lang="en-US" smtClean="0"/>
+              <a:pPr/>
               <a:t>‹#›</a:t>
             </a:fld>
             <a:endParaRPr lang="en-US"/>
@@ -1318,6 +1328,7 @@
           <a:p>
             <a:fld id="{16EA98B6-61B2-41DC-8E89-58EBC6FD50EC}" type="datetimeFigureOut">
               <a:rPr lang="en-US" smtClean="0"/>
+              <a:pPr/>
               <a:t>11/22/2011</a:t>
             </a:fld>
             <a:endParaRPr lang="en-US"/>
@@ -1360,6 +1371,7 @@
           <a:p>
             <a:fld id="{16A6C134-D04F-4C5E-925D-C5A43103DAD2}" type="slidenum">
               <a:rPr lang="en-US" smtClean="0"/>
+              <a:pPr/>
               <a:t>‹#›</a:t>
             </a:fld>
             <a:endParaRPr lang="en-US"/>
@@ -1735,6 +1747,7 @@
           <a:p>
             <a:fld id="{16EA98B6-61B2-41DC-8E89-58EBC6FD50EC}" type="datetimeFigureOut">
               <a:rPr lang="en-US" smtClean="0"/>
+              <a:pPr/>
               <a:t>11/22/2011</a:t>
             </a:fld>
             <a:endParaRPr lang="en-US"/>
@@ -1777,6 +1790,7 @@
           <a:p>
             <a:fld id="{16A6C134-D04F-4C5E-925D-C5A43103DAD2}" type="slidenum">
               <a:rPr lang="en-US" smtClean="0"/>
+              <a:pPr/>
               <a:t>‹#›</a:t>
             </a:fld>
             <a:endParaRPr lang="en-US"/>
@@ -1848,6 +1862,7 @@
           <a:p>
             <a:fld id="{16EA98B6-61B2-41DC-8E89-58EBC6FD50EC}" type="datetimeFigureOut">
               <a:rPr lang="en-US" smtClean="0"/>
+              <a:pPr/>
               <a:t>11/22/2011</a:t>
             </a:fld>
             <a:endParaRPr lang="en-US"/>
@@ -1890,6 +1905,7 @@
           <a:p>
             <a:fld id="{16A6C134-D04F-4C5E-925D-C5A43103DAD2}" type="slidenum">
               <a:rPr lang="en-US" smtClean="0"/>
+              <a:pPr/>
               <a:t>‹#›</a:t>
             </a:fld>
             <a:endParaRPr lang="en-US"/>
@@ -1938,6 +1954,7 @@
           <a:p>
             <a:fld id="{16EA98B6-61B2-41DC-8E89-58EBC6FD50EC}" type="datetimeFigureOut">
               <a:rPr lang="en-US" smtClean="0"/>
+              <a:pPr/>
               <a:t>11/22/2011</a:t>
             </a:fld>
             <a:endParaRPr lang="en-US"/>
@@ -1980,6 +1997,7 @@
           <a:p>
             <a:fld id="{16A6C134-D04F-4C5E-925D-C5A43103DAD2}" type="slidenum">
               <a:rPr lang="en-US" smtClean="0"/>
+              <a:pPr/>
               <a:t>‹#›</a:t>
             </a:fld>
             <a:endParaRPr lang="en-US"/>
@@ -2210,6 +2228,7 @@
           <a:p>
             <a:fld id="{16EA98B6-61B2-41DC-8E89-58EBC6FD50EC}" type="datetimeFigureOut">
               <a:rPr lang="en-US" smtClean="0"/>
+              <a:pPr/>
               <a:t>11/22/2011</a:t>
             </a:fld>
             <a:endParaRPr lang="en-US"/>
@@ -2252,6 +2271,7 @@
           <a:p>
             <a:fld id="{16A6C134-D04F-4C5E-925D-C5A43103DAD2}" type="slidenum">
               <a:rPr lang="en-US" smtClean="0"/>
+              <a:pPr/>
               <a:t>‹#›</a:t>
             </a:fld>
             <a:endParaRPr lang="en-US"/>
@@ -2458,6 +2478,7 @@
           <a:p>
             <a:fld id="{16EA98B6-61B2-41DC-8E89-58EBC6FD50EC}" type="datetimeFigureOut">
               <a:rPr lang="en-US" smtClean="0"/>
+              <a:pPr/>
               <a:t>11/22/2011</a:t>
             </a:fld>
             <a:endParaRPr lang="en-US"/>
@@ -2500,6 +2521,7 @@
           <a:p>
             <a:fld id="{16A6C134-D04F-4C5E-925D-C5A43103DAD2}" type="slidenum">
               <a:rPr lang="en-US" smtClean="0"/>
+              <a:pPr/>
               <a:t>‹#›</a:t>
             </a:fld>
             <a:endParaRPr lang="en-US"/>
@@ -2666,6 +2688,7 @@
           <a:p>
             <a:fld id="{16EA98B6-61B2-41DC-8E89-58EBC6FD50EC}" type="datetimeFigureOut">
               <a:rPr lang="en-US" smtClean="0"/>
+              <a:pPr/>
               <a:t>11/22/2011</a:t>
             </a:fld>
             <a:endParaRPr lang="en-US"/>
@@ -2744,6 +2767,7 @@
           <a:p>
             <a:fld id="{16A6C134-D04F-4C5E-925D-C5A43103DAD2}" type="slidenum">
               <a:rPr lang="en-US" smtClean="0"/>
+              <a:pPr/>
               <a:t>‹#›</a:t>
             </a:fld>
             <a:endParaRPr lang="en-US"/>
@@ -3062,7 +3086,7 @@
         </p:nvSpPr>
         <p:spPr>
           <a:xfrm>
-            <a:off x="457200" y="228600"/>
+            <a:off x="457200" y="6920"/>
             <a:ext cx="8229600" cy="1143000"/>
           </a:xfrm>
         </p:spPr>
@@ -3073,14 +3097,20 @@
           <a:lstStyle/>
           <a:p>
             <a:r>
-              <a:rPr lang="en-US" dirty="0" smtClean="0"/>
+              <a:rPr lang="en-US" b="1" dirty="0" smtClean="0">
+                <a:latin typeface="Bradley Hand ITC" pitchFamily="66" charset="0"/>
+              </a:rPr>
               <a:t>Where do you want to go today?</a:t>
             </a:r>
             <a:r>
-              <a:rPr lang="en-US" sz="2000" baseline="100000" dirty="0" smtClean="0"/>
+              <a:rPr lang="en-US" sz="2000" b="1" baseline="100000" dirty="0" smtClean="0">
+                <a:latin typeface="Bradley Hand ITC" pitchFamily="66" charset="0"/>
+              </a:rPr>
               <a:t>*</a:t>
             </a:r>
-            <a:endParaRPr lang="en-US" sz="2000" baseline="100000" dirty="0"/>
+            <a:endParaRPr lang="en-US" sz="2000" b="1" baseline="100000" dirty="0">
+              <a:latin typeface="Bradley Hand ITC" pitchFamily="66" charset="0"/>
+            </a:endParaRPr>
           </a:p>
         </p:txBody>
       </p:sp>
@@ -3168,8 +3198,8 @@
         </p:nvSpPr>
         <p:spPr>
           <a:xfrm>
-            <a:off x="152400" y="2259874"/>
-            <a:ext cx="8763000" cy="1981200"/>
+            <a:off x="152400" y="2306780"/>
+            <a:ext cx="8763000" cy="1878874"/>
           </a:xfrm>
           <a:prstGeom prst="rect">
             <a:avLst/>
@@ -3267,7 +3297,7 @@
         </p:blipFill>
         <p:spPr bwMode="auto">
           <a:xfrm>
-            <a:off x="762000" y="2412275"/>
+            <a:off x="762000" y="2382980"/>
             <a:ext cx="1507325" cy="1600200"/>
           </a:xfrm>
           <a:prstGeom prst="rect">
@@ -3303,10 +3333,14 @@
           <a:lstStyle/>
           <a:p>
             <a:r>
-              <a:rPr lang="en-US" dirty="0" smtClean="0"/>
+              <a:rPr lang="en-US" b="1" dirty="0" smtClean="0">
+                <a:latin typeface="Bradley Hand ITC" pitchFamily="66" charset="0"/>
+              </a:rPr>
               <a:t>MAPSTER</a:t>
             </a:r>
-            <a:endParaRPr lang="en-US" dirty="0"/>
+            <a:endParaRPr lang="en-US" b="1" dirty="0">
+              <a:latin typeface="Bradley Hand ITC" pitchFamily="66" charset="0"/>
+            </a:endParaRPr>
           </a:p>
         </p:txBody>
       </p:sp>
@@ -3446,7 +3480,7 @@
         </p:nvSpPr>
         <p:spPr>
           <a:xfrm>
-            <a:off x="3429000" y="2640874"/>
+            <a:off x="3429000" y="2585454"/>
             <a:ext cx="2286000" cy="1754326"/>
           </a:xfrm>
           <a:prstGeom prst="rect">
@@ -3505,7 +3539,7 @@
         </p:nvSpPr>
         <p:spPr>
           <a:xfrm>
-            <a:off x="5943600" y="2438400"/>
+            <a:off x="5943600" y="2382980"/>
             <a:ext cx="457200" cy="1524000"/>
           </a:xfrm>
           <a:prstGeom prst="leftBrace">
@@ -3544,7 +3578,7 @@
         </p:nvSpPr>
         <p:spPr>
           <a:xfrm>
-            <a:off x="6400800" y="2336074"/>
+            <a:off x="6400800" y="2322219"/>
             <a:ext cx="1981200" cy="2031325"/>
           </a:xfrm>
           <a:prstGeom prst="rect">
@@ -3613,7 +3647,7 @@
         </p:nvSpPr>
         <p:spPr>
           <a:xfrm>
-            <a:off x="2743200" y="2717074"/>
+            <a:off x="2743200" y="2661654"/>
             <a:ext cx="609600" cy="1015663"/>
           </a:xfrm>
           <a:prstGeom prst="rect">
@@ -3661,7 +3695,7 @@
         </p:nvSpPr>
         <p:spPr>
           <a:xfrm>
-            <a:off x="4114800" y="4241074"/>
+            <a:off x="4114800" y="4185654"/>
             <a:ext cx="838200" cy="609600"/>
           </a:xfrm>
           <a:prstGeom prst="downArrow">
@@ -3706,7 +3740,7 @@
         </p:nvCxnSpPr>
         <p:spPr>
           <a:xfrm>
-            <a:off x="4330337" y="4241074"/>
+            <a:off x="4330337" y="4185654"/>
             <a:ext cx="394063" cy="0"/>
           </a:xfrm>
           <a:prstGeom prst="line">
@@ -3765,6 +3799,185 @@
           </a:ln>
         </p:spPr>
       </p:pic>
+      <p:sp>
+        <p:nvSpPr>
+          <p:cNvPr id="17" name="Title 3"/>
+          <p:cNvSpPr txBox="1">
+            <a:spLocks/>
+          </p:cNvSpPr>
+          <p:nvPr/>
+        </p:nvSpPr>
+        <p:spPr>
+          <a:xfrm>
+            <a:off x="6934200" y="5943600"/>
+            <a:ext cx="2209800" cy="914400"/>
+          </a:xfrm>
+          <a:prstGeom prst="rect">
+            <a:avLst/>
+          </a:prstGeom>
+        </p:spPr>
+        <p:txBody>
+          <a:bodyPr vert="horz" lIns="91440" tIns="45720" rIns="91440" bIns="45720" rtlCol="0" anchor="ctr">
+            <a:normAutofit fontScale="47500" lnSpcReduction="20000"/>
+          </a:bodyPr>
+          <a:lstStyle/>
+          <a:p>
+            <a:pPr marL="0" marR="0" lvl="0" indent="0" algn="ctr" defTabSz="914400" rtl="0" eaLnBrk="1" fontAlgn="auto" latinLnBrk="0" hangingPunct="1">
+              <a:lnSpc>
+                <a:spcPct val="100000"/>
+              </a:lnSpc>
+              <a:spcBef>
+                <a:spcPct val="0"/>
+              </a:spcBef>
+              <a:spcAft>
+                <a:spcPts val="0"/>
+              </a:spcAft>
+              <a:buClrTx/>
+              <a:buSzTx/>
+              <a:buFontTx/>
+              <a:buNone/>
+              <a:tabLst/>
+              <a:defRPr/>
+            </a:pPr>
+            <a:r>
+              <a:rPr kumimoji="0" lang="en-US" sz="4400" b="1" i="0" u="none" strike="noStrike" kern="1200" cap="none" spc="0" normalizeH="0" baseline="0" noProof="0" dirty="0" smtClean="0">
+                <a:ln>
+                  <a:noFill/>
+                </a:ln>
+                <a:solidFill>
+                  <a:schemeClr val="tx1"/>
+                </a:solidFill>
+                <a:effectLst/>
+                <a:uLnTx/>
+                <a:uFillTx/>
+                <a:latin typeface="Bradley Hand ITC" pitchFamily="66" charset="0"/>
+                <a:ea typeface="+mj-ea"/>
+                <a:cs typeface="+mj-cs"/>
+              </a:rPr>
+              <a:t>Lauren</a:t>
+            </a:r>
+            <a:r>
+              <a:rPr kumimoji="0" lang="en-US" sz="4400" b="1" i="0" u="none" strike="noStrike" kern="1200" cap="none" spc="0" normalizeH="0" noProof="0" dirty="0" smtClean="0">
+                <a:ln>
+                  <a:noFill/>
+                </a:ln>
+                <a:solidFill>
+                  <a:schemeClr val="tx1"/>
+                </a:solidFill>
+                <a:effectLst/>
+                <a:uLnTx/>
+                <a:uFillTx/>
+                <a:latin typeface="Bradley Hand ITC" pitchFamily="66" charset="0"/>
+                <a:ea typeface="+mj-ea"/>
+                <a:cs typeface="+mj-cs"/>
+              </a:rPr>
+              <a:t> Dunn</a:t>
+            </a:r>
+          </a:p>
+          <a:p>
+            <a:pPr marL="0" marR="0" lvl="0" indent="0" algn="ctr" defTabSz="914400" rtl="0" eaLnBrk="1" fontAlgn="auto" latinLnBrk="0" hangingPunct="1">
+              <a:lnSpc>
+                <a:spcPct val="100000"/>
+              </a:lnSpc>
+              <a:spcBef>
+                <a:spcPct val="0"/>
+              </a:spcBef>
+              <a:spcAft>
+                <a:spcPts val="0"/>
+              </a:spcAft>
+              <a:buClrTx/>
+              <a:buSzTx/>
+              <a:buFontTx/>
+              <a:buNone/>
+              <a:tabLst/>
+              <a:defRPr/>
+            </a:pPr>
+            <a:r>
+              <a:rPr lang="en-US" sz="4400" b="1" baseline="0" dirty="0" smtClean="0">
+                <a:latin typeface="Bradley Hand ITC" pitchFamily="66" charset="0"/>
+                <a:ea typeface="+mj-ea"/>
+                <a:cs typeface="+mj-cs"/>
+              </a:rPr>
+              <a:t>Irma</a:t>
+            </a:r>
+            <a:r>
+              <a:rPr lang="en-US" sz="4400" b="1" dirty="0" smtClean="0">
+                <a:latin typeface="Bradley Hand ITC" pitchFamily="66" charset="0"/>
+                <a:ea typeface="+mj-ea"/>
+                <a:cs typeface="+mj-cs"/>
+              </a:rPr>
+              <a:t> Lam</a:t>
+            </a:r>
+          </a:p>
+          <a:p>
+            <a:pPr marL="0" marR="0" lvl="0" indent="0" algn="ctr" defTabSz="914400" rtl="0" eaLnBrk="1" fontAlgn="auto" latinLnBrk="0" hangingPunct="1">
+              <a:lnSpc>
+                <a:spcPct val="100000"/>
+              </a:lnSpc>
+              <a:spcBef>
+                <a:spcPct val="0"/>
+              </a:spcBef>
+              <a:spcAft>
+                <a:spcPts val="0"/>
+              </a:spcAft>
+              <a:buClrTx/>
+              <a:buSzTx/>
+              <a:buFontTx/>
+              <a:buNone/>
+              <a:tabLst/>
+              <a:defRPr/>
+            </a:pPr>
+            <a:r>
+              <a:rPr kumimoji="0" lang="en-US" sz="4400" b="1" i="0" u="none" strike="noStrike" kern="1200" cap="none" spc="0" normalizeH="0" baseline="0" noProof="0" dirty="0" smtClean="0">
+                <a:ln>
+                  <a:noFill/>
+                </a:ln>
+                <a:solidFill>
+                  <a:schemeClr val="tx1"/>
+                </a:solidFill>
+                <a:effectLst/>
+                <a:uLnTx/>
+                <a:uFillTx/>
+                <a:latin typeface="Bradley Hand ITC" pitchFamily="66" charset="0"/>
+                <a:ea typeface="+mj-ea"/>
+                <a:cs typeface="+mj-cs"/>
+              </a:rPr>
+              <a:t>Clarissa</a:t>
+            </a:r>
+            <a:r>
+              <a:rPr kumimoji="0" lang="en-US" sz="4400" b="1" i="0" u="none" strike="noStrike" kern="1200" cap="none" spc="0" normalizeH="0" noProof="0" dirty="0" smtClean="0">
+                <a:ln>
+                  <a:noFill/>
+                </a:ln>
+                <a:solidFill>
+                  <a:schemeClr val="tx1"/>
+                </a:solidFill>
+                <a:effectLst/>
+                <a:uLnTx/>
+                <a:uFillTx/>
+                <a:latin typeface="Bradley Hand ITC" pitchFamily="66" charset="0"/>
+                <a:ea typeface="+mj-ea"/>
+                <a:cs typeface="+mj-cs"/>
+              </a:rPr>
+              <a:t> Soon</a:t>
+            </a:r>
+            <a:endParaRPr kumimoji="0" lang="en-US" sz="4400" b="1" i="0" u="none" strike="noStrike" kern="1200" cap="none" spc="0" normalizeH="0" baseline="0" noProof="0" dirty="0">
+              <a:ln>
+                <a:noFill/>
+              </a:ln>
+              <a:solidFill>
+                <a:schemeClr val="tx1"/>
+              </a:solidFill>
+              <a:effectLst/>
+              <a:uLnTx/>
+              <a:uFillTx/>
+              <a:latin typeface="Bradley Hand ITC" pitchFamily="66" charset="0"/>
+              <a:ea typeface="+mj-ea"/>
+              <a:cs typeface="+mj-cs"/>
+            </a:endParaRPr>
+          </a:p>
+        </p:txBody>
+      </p:sp>
     </p:spTree>
   </p:cSld>
   <p:clrMapOvr>

--- a/trunk/submission/MapsterSlides.pptx
+++ b/trunk/submission/MapsterSlides.pptx
@@ -3199,7 +3199,7 @@
         <p:spPr>
           <a:xfrm>
             <a:off x="152400" y="2306780"/>
-            <a:ext cx="8763000" cy="1878874"/>
+            <a:ext cx="8763000" cy="1731820"/>
           </a:xfrm>
           <a:prstGeom prst="rect">
             <a:avLst/>
@@ -3695,7 +3695,7 @@
         </p:nvSpPr>
         <p:spPr>
           <a:xfrm>
-            <a:off x="4114800" y="4185654"/>
+            <a:off x="4114800" y="4038600"/>
             <a:ext cx="838200" cy="609600"/>
           </a:xfrm>
           <a:prstGeom prst="downArrow">
@@ -3740,7 +3740,7 @@
         </p:nvCxnSpPr>
         <p:spPr>
           <a:xfrm>
-            <a:off x="4330337" y="4185654"/>
+            <a:off x="4330337" y="4038600"/>
             <a:ext cx="394063" cy="0"/>
           </a:xfrm>
           <a:prstGeom prst="line">
@@ -3784,8 +3784,8 @@
         </p:blipFill>
         <p:spPr bwMode="auto">
           <a:xfrm>
-            <a:off x="2638697" y="4844189"/>
-            <a:ext cx="3810000" cy="1992613"/>
+            <a:off x="2638696" y="4709831"/>
+            <a:ext cx="4066903" cy="2126972"/>
           </a:xfrm>
           <a:prstGeom prst="rect">
             <a:avLst/>

--- a/trunk/submission/MapsterSlides.pptx
+++ b/trunk/submission/MapsterSlides.pptx
@@ -290,7 +290,7 @@
             <a:fld id="{16EA98B6-61B2-41DC-8E89-58EBC6FD50EC}" type="datetimeFigureOut">
               <a:rPr lang="en-US" smtClean="0"/>
               <a:pPr/>
-              <a:t>11/22/2011</a:t>
+              <a:t>11/23/2011</a:t>
             </a:fld>
             <a:endParaRPr lang="en-US"/>
           </a:p>
@@ -457,7 +457,7 @@
             <a:fld id="{16EA98B6-61B2-41DC-8E89-58EBC6FD50EC}" type="datetimeFigureOut">
               <a:rPr lang="en-US" smtClean="0"/>
               <a:pPr/>
-              <a:t>11/22/2011</a:t>
+              <a:t>11/23/2011</a:t>
             </a:fld>
             <a:endParaRPr lang="en-US"/>
           </a:p>
@@ -634,7 +634,7 @@
             <a:fld id="{16EA98B6-61B2-41DC-8E89-58EBC6FD50EC}" type="datetimeFigureOut">
               <a:rPr lang="en-US" smtClean="0"/>
               <a:pPr/>
-              <a:t>11/22/2011</a:t>
+              <a:t>11/23/2011</a:t>
             </a:fld>
             <a:endParaRPr lang="en-US"/>
           </a:p>
@@ -801,7 +801,7 @@
             <a:fld id="{16EA98B6-61B2-41DC-8E89-58EBC6FD50EC}" type="datetimeFigureOut">
               <a:rPr lang="en-US" smtClean="0"/>
               <a:pPr/>
-              <a:t>11/22/2011</a:t>
+              <a:t>11/23/2011</a:t>
             </a:fld>
             <a:endParaRPr lang="en-US"/>
           </a:p>
@@ -1044,7 +1044,7 @@
             <a:fld id="{16EA98B6-61B2-41DC-8E89-58EBC6FD50EC}" type="datetimeFigureOut">
               <a:rPr lang="en-US" smtClean="0"/>
               <a:pPr/>
-              <a:t>11/22/2011</a:t>
+              <a:t>11/23/2011</a:t>
             </a:fld>
             <a:endParaRPr lang="en-US"/>
           </a:p>
@@ -1329,7 +1329,7 @@
             <a:fld id="{16EA98B6-61B2-41DC-8E89-58EBC6FD50EC}" type="datetimeFigureOut">
               <a:rPr lang="en-US" smtClean="0"/>
               <a:pPr/>
-              <a:t>11/22/2011</a:t>
+              <a:t>11/23/2011</a:t>
             </a:fld>
             <a:endParaRPr lang="en-US"/>
           </a:p>
@@ -1748,7 +1748,7 @@
             <a:fld id="{16EA98B6-61B2-41DC-8E89-58EBC6FD50EC}" type="datetimeFigureOut">
               <a:rPr lang="en-US" smtClean="0"/>
               <a:pPr/>
-              <a:t>11/22/2011</a:t>
+              <a:t>11/23/2011</a:t>
             </a:fld>
             <a:endParaRPr lang="en-US"/>
           </a:p>
@@ -1863,7 +1863,7 @@
             <a:fld id="{16EA98B6-61B2-41DC-8E89-58EBC6FD50EC}" type="datetimeFigureOut">
               <a:rPr lang="en-US" smtClean="0"/>
               <a:pPr/>
-              <a:t>11/22/2011</a:t>
+              <a:t>11/23/2011</a:t>
             </a:fld>
             <a:endParaRPr lang="en-US"/>
           </a:p>
@@ -1955,7 +1955,7 @@
             <a:fld id="{16EA98B6-61B2-41DC-8E89-58EBC6FD50EC}" type="datetimeFigureOut">
               <a:rPr lang="en-US" smtClean="0"/>
               <a:pPr/>
-              <a:t>11/22/2011</a:t>
+              <a:t>11/23/2011</a:t>
             </a:fld>
             <a:endParaRPr lang="en-US"/>
           </a:p>
@@ -2229,7 +2229,7 @@
             <a:fld id="{16EA98B6-61B2-41DC-8E89-58EBC6FD50EC}" type="datetimeFigureOut">
               <a:rPr lang="en-US" smtClean="0"/>
               <a:pPr/>
-              <a:t>11/22/2011</a:t>
+              <a:t>11/23/2011</a:t>
             </a:fld>
             <a:endParaRPr lang="en-US"/>
           </a:p>
@@ -2479,7 +2479,7 @@
             <a:fld id="{16EA98B6-61B2-41DC-8E89-58EBC6FD50EC}" type="datetimeFigureOut">
               <a:rPr lang="en-US" smtClean="0"/>
               <a:pPr/>
-              <a:t>11/22/2011</a:t>
+              <a:t>11/23/2011</a:t>
             </a:fld>
             <a:endParaRPr lang="en-US"/>
           </a:p>
@@ -2689,7 +2689,7 @@
             <a:fld id="{16EA98B6-61B2-41DC-8E89-58EBC6FD50EC}" type="datetimeFigureOut">
               <a:rPr lang="en-US" smtClean="0"/>
               <a:pPr/>
-              <a:t>11/22/2011</a:t>
+              <a:t>11/23/2011</a:t>
             </a:fld>
             <a:endParaRPr lang="en-US"/>
           </a:p>
@@ -3144,6 +3144,36 @@
           </a:p>
         </p:txBody>
       </p:sp>
+      <p:pic>
+        <p:nvPicPr>
+          <p:cNvPr id="5" name="Picture 4"/>
+          <p:cNvPicPr>
+            <a:picLocks noChangeAspect="1"/>
+          </p:cNvPicPr>
+          <p:nvPr/>
+        </p:nvPicPr>
+        <p:blipFill>
+          <a:blip r:embed="rId3">
+            <a:extLst>
+              <a:ext uri="{28A0092B-C50C-407E-A947-70E740481C1C}">
+                <a14:useLocalDpi xmlns:a14="http://schemas.microsoft.com/office/drawing/2010/main" val="0"/>
+              </a:ext>
+            </a:extLst>
+          </a:blip>
+          <a:stretch>
+            <a:fillRect/>
+          </a:stretch>
+        </p:blipFill>
+        <p:spPr>
+          <a:xfrm>
+            <a:off x="2257581" y="948034"/>
+            <a:ext cx="4373961" cy="5892873"/>
+          </a:xfrm>
+          <a:prstGeom prst="rect">
+            <a:avLst/>
+          </a:prstGeom>
+        </p:spPr>
+      </p:pic>
     </p:spTree>
   </p:cSld>
   <p:clrMapOvr>

--- a/trunk/submission/MapsterSlides.pptx
+++ b/trunk/submission/MapsterSlides.pptx
@@ -3146,7 +3146,7 @@
       </p:sp>
       <p:pic>
         <p:nvPicPr>
-          <p:cNvPr id="5" name="Picture 4"/>
+          <p:cNvPr id="8" name="Picture 7"/>
           <p:cNvPicPr>
             <a:picLocks noChangeAspect="1"/>
           </p:cNvPicPr>
@@ -3166,8 +3166,8 @@
         </p:blipFill>
         <p:spPr>
           <a:xfrm>
-            <a:off x="2257581" y="948034"/>
-            <a:ext cx="4373961" cy="5892873"/>
+            <a:off x="2266127" y="939324"/>
+            <a:ext cx="4386770" cy="5910130"/>
           </a:xfrm>
           <a:prstGeom prst="rect">
             <a:avLst/>

--- a/trunk/submission/MapsterSlides.pptx
+++ b/trunk/submission/MapsterSlides.pptx
@@ -290,7 +290,7 @@
             <a:fld id="{16EA98B6-61B2-41DC-8E89-58EBC6FD50EC}" type="datetimeFigureOut">
               <a:rPr lang="en-US" smtClean="0"/>
               <a:pPr/>
-              <a:t>11/23/2011</a:t>
+              <a:t>11/22/2011</a:t>
             </a:fld>
             <a:endParaRPr lang="en-US"/>
           </a:p>
@@ -457,7 +457,7 @@
             <a:fld id="{16EA98B6-61B2-41DC-8E89-58EBC6FD50EC}" type="datetimeFigureOut">
               <a:rPr lang="en-US" smtClean="0"/>
               <a:pPr/>
-              <a:t>11/23/2011</a:t>
+              <a:t>11/22/2011</a:t>
             </a:fld>
             <a:endParaRPr lang="en-US"/>
           </a:p>
@@ -634,7 +634,7 @@
             <a:fld id="{16EA98B6-61B2-41DC-8E89-58EBC6FD50EC}" type="datetimeFigureOut">
               <a:rPr lang="en-US" smtClean="0"/>
               <a:pPr/>
-              <a:t>11/23/2011</a:t>
+              <a:t>11/22/2011</a:t>
             </a:fld>
             <a:endParaRPr lang="en-US"/>
           </a:p>
@@ -801,7 +801,7 @@
             <a:fld id="{16EA98B6-61B2-41DC-8E89-58EBC6FD50EC}" type="datetimeFigureOut">
               <a:rPr lang="en-US" smtClean="0"/>
               <a:pPr/>
-              <a:t>11/23/2011</a:t>
+              <a:t>11/22/2011</a:t>
             </a:fld>
             <a:endParaRPr lang="en-US"/>
           </a:p>
@@ -1044,7 +1044,7 @@
             <a:fld id="{16EA98B6-61B2-41DC-8E89-58EBC6FD50EC}" type="datetimeFigureOut">
               <a:rPr lang="en-US" smtClean="0"/>
               <a:pPr/>
-              <a:t>11/23/2011</a:t>
+              <a:t>11/22/2011</a:t>
             </a:fld>
             <a:endParaRPr lang="en-US"/>
           </a:p>
@@ -1329,7 +1329,7 @@
             <a:fld id="{16EA98B6-61B2-41DC-8E89-58EBC6FD50EC}" type="datetimeFigureOut">
               <a:rPr lang="en-US" smtClean="0"/>
               <a:pPr/>
-              <a:t>11/23/2011</a:t>
+              <a:t>11/22/2011</a:t>
             </a:fld>
             <a:endParaRPr lang="en-US"/>
           </a:p>
@@ -1748,7 +1748,7 @@
             <a:fld id="{16EA98B6-61B2-41DC-8E89-58EBC6FD50EC}" type="datetimeFigureOut">
               <a:rPr lang="en-US" smtClean="0"/>
               <a:pPr/>
-              <a:t>11/23/2011</a:t>
+              <a:t>11/22/2011</a:t>
             </a:fld>
             <a:endParaRPr lang="en-US"/>
           </a:p>
@@ -1863,7 +1863,7 @@
             <a:fld id="{16EA98B6-61B2-41DC-8E89-58EBC6FD50EC}" type="datetimeFigureOut">
               <a:rPr lang="en-US" smtClean="0"/>
               <a:pPr/>
-              <a:t>11/23/2011</a:t>
+              <a:t>11/22/2011</a:t>
             </a:fld>
             <a:endParaRPr lang="en-US"/>
           </a:p>
@@ -1955,7 +1955,7 @@
             <a:fld id="{16EA98B6-61B2-41DC-8E89-58EBC6FD50EC}" type="datetimeFigureOut">
               <a:rPr lang="en-US" smtClean="0"/>
               <a:pPr/>
-              <a:t>11/23/2011</a:t>
+              <a:t>11/22/2011</a:t>
             </a:fld>
             <a:endParaRPr lang="en-US"/>
           </a:p>
@@ -2229,7 +2229,7 @@
             <a:fld id="{16EA98B6-61B2-41DC-8E89-58EBC6FD50EC}" type="datetimeFigureOut">
               <a:rPr lang="en-US" smtClean="0"/>
               <a:pPr/>
-              <a:t>11/23/2011</a:t>
+              <a:t>11/22/2011</a:t>
             </a:fld>
             <a:endParaRPr lang="en-US"/>
           </a:p>
@@ -2479,7 +2479,7 @@
             <a:fld id="{16EA98B6-61B2-41DC-8E89-58EBC6FD50EC}" type="datetimeFigureOut">
               <a:rPr lang="en-US" smtClean="0"/>
               <a:pPr/>
-              <a:t>11/23/2011</a:t>
+              <a:t>11/22/2011</a:t>
             </a:fld>
             <a:endParaRPr lang="en-US"/>
           </a:p>
@@ -2689,7 +2689,7 @@
             <a:fld id="{16EA98B6-61B2-41DC-8E89-58EBC6FD50EC}" type="datetimeFigureOut">
               <a:rPr lang="en-US" smtClean="0"/>
               <a:pPr/>
-              <a:t>11/23/2011</a:t>
+              <a:t>11/22/2011</a:t>
             </a:fld>
             <a:endParaRPr lang="en-US"/>
           </a:p>
@@ -3153,10 +3153,10 @@
           <p:nvPr/>
         </p:nvPicPr>
         <p:blipFill>
-          <a:blip r:embed="rId3">
+          <a:blip r:embed="rId3" cstate="print">
             <a:extLst>
               <a:ext uri="{28A0092B-C50C-407E-A947-70E740481C1C}">
-                <a14:useLocalDpi xmlns:a14="http://schemas.microsoft.com/office/drawing/2010/main" val="0"/>
+                <a14:useLocalDpi xmlns:a14="http://schemas.microsoft.com/office/drawing/2010/main" xmlns="" val="0"/>
               </a:ext>
             </a:extLst>
           </a:blip>
@@ -3814,7 +3814,7 @@
         </p:blipFill>
         <p:spPr bwMode="auto">
           <a:xfrm>
-            <a:off x="2638696" y="4709831"/>
+            <a:off x="2438400" y="4709831"/>
             <a:ext cx="4066903" cy="2126972"/>
           </a:xfrm>
           <a:prstGeom prst="rect">
@@ -3831,7 +3831,7 @@
       </p:pic>
       <p:sp>
         <p:nvSpPr>
-          <p:cNvPr id="17" name="Title 3"/>
+          <p:cNvPr id="24" name="Title 3"/>
           <p:cNvSpPr txBox="1">
             <a:spLocks/>
           </p:cNvSpPr>
@@ -4005,6 +4005,43 @@
               <a:ea typeface="+mj-ea"/>
               <a:cs typeface="+mj-cs"/>
             </a:endParaRPr>
+          </a:p>
+        </p:txBody>
+      </p:sp>
+      <p:sp>
+        <p:nvSpPr>
+          <p:cNvPr id="26" name="TextBox 25"/>
+          <p:cNvSpPr txBox="1"/>
+          <p:nvPr/>
+        </p:nvSpPr>
+        <p:spPr>
+          <a:xfrm>
+            <a:off x="762000" y="3657600"/>
+            <a:ext cx="1524000" cy="369332"/>
+          </a:xfrm>
+          <a:prstGeom prst="rect">
+            <a:avLst/>
+          </a:prstGeom>
+          <a:noFill/>
+          <a:ln>
+            <a:noFill/>
+          </a:ln>
+        </p:spPr>
+        <p:txBody>
+          <a:bodyPr wrap="square" rtlCol="0">
+            <a:spAutoFit/>
+          </a:bodyPr>
+          <a:lstStyle/>
+          <a:p>
+            <a:r>
+              <a:rPr lang="en-US" dirty="0" smtClean="0"/>
+              <a:t>“</a:t>
+            </a:r>
+            <a:r>
+              <a:rPr lang="en-US" dirty="0" err="1" smtClean="0"/>
+              <a:t>Safety”Score</a:t>
+            </a:r>
+            <a:endParaRPr lang="en-US" dirty="0"/>
           </a:p>
         </p:txBody>
       </p:sp>

--- a/trunk/submission/MapsterSlides.pptx
+++ b/trunk/submission/MapsterSlides.pptx
@@ -4035,11 +4035,7 @@
           <a:p>
             <a:r>
               <a:rPr lang="en-US" dirty="0" smtClean="0"/>
-              <a:t>“</a:t>
-            </a:r>
-            <a:r>
-              <a:rPr lang="en-US" dirty="0" err="1" smtClean="0"/>
-              <a:t>Safety”Score</a:t>
+              <a:t>“Safety" Score</a:t>
             </a:r>
             <a:endParaRPr lang="en-US" dirty="0"/>
           </a:p>
